--- a/Presentation/Exploring Web Development with Python.pptx
+++ b/Presentation/Exploring Web Development with Python.pptx
@@ -5,7 +5,7 @@
     <p:sldMasterId id="2147483672" r:id="rId1"/>
   </p:sldMasterIdLst>
   <p:notesMasterIdLst>
-    <p:notesMasterId r:id="rId18"/>
+    <p:notesMasterId r:id="rId19"/>
   </p:notesMasterIdLst>
   <p:sldIdLst>
     <p:sldId id="256" r:id="rId2"/>
@@ -24,6 +24,7 @@
     <p:sldId id="262" r:id="rId15"/>
     <p:sldId id="289" r:id="rId16"/>
     <p:sldId id="290" r:id="rId17"/>
+    <p:sldId id="293" r:id="rId18"/>
   </p:sldIdLst>
   <p:sldSz cx="12192000" cy="6858000"/>
   <p:notesSz cx="6858000" cy="9144000"/>
@@ -122,6 +123,11 @@
       </a:defRPr>
     </a:lvl9pPr>
   </p:defaultTextStyle>
+  <p:extLst>
+    <p:ext uri="{EFAFB233-063F-42B5-8137-9DF3F51BA10A}">
+      <p15:sldGuideLst xmlns:p15="http://schemas.microsoft.com/office/powerpoint/2012/main"/>
+    </p:ext>
+  </p:extLst>
 </p:presentation>
 </file>
 
@@ -207,7 +213,7 @@
           <a:p>
             <a:fld id="{E2AC7D47-6595-4921-AFB0-BA0BF0F88193}" type="datetimeFigureOut">
               <a:rPr lang="en-GB" smtClean="0"/>
-              <a:t>14/02/2024</a:t>
+              <a:t>25/02/2024</a:t>
             </a:fld>
             <a:endParaRPr lang="en-GB"/>
           </a:p>
@@ -1866,7 +1872,7 @@
           <a:p>
             <a:fld id="{68FBDEA3-C4D5-42EA-AC81-789B3E44EC3D}" type="datetimeFigureOut">
               <a:rPr lang="en-GB" smtClean="0"/>
-              <a:t>14/02/2024</a:t>
+              <a:t>25/02/2024</a:t>
             </a:fld>
             <a:endParaRPr lang="en-GB"/>
           </a:p>
@@ -2036,7 +2042,7 @@
           <a:p>
             <a:fld id="{68FBDEA3-C4D5-42EA-AC81-789B3E44EC3D}" type="datetimeFigureOut">
               <a:rPr lang="en-GB" smtClean="0"/>
-              <a:t>14/02/2024</a:t>
+              <a:t>25/02/2024</a:t>
             </a:fld>
             <a:endParaRPr lang="en-GB"/>
           </a:p>
@@ -2216,7 +2222,7 @@
           <a:p>
             <a:fld id="{68FBDEA3-C4D5-42EA-AC81-789B3E44EC3D}" type="datetimeFigureOut">
               <a:rPr lang="en-GB" smtClean="0"/>
-              <a:t>14/02/2024</a:t>
+              <a:t>25/02/2024</a:t>
             </a:fld>
             <a:endParaRPr lang="en-GB"/>
           </a:p>
@@ -2386,7 +2392,7 @@
           <a:p>
             <a:fld id="{68FBDEA3-C4D5-42EA-AC81-789B3E44EC3D}" type="datetimeFigureOut">
               <a:rPr lang="en-GB" smtClean="0"/>
-              <a:t>14/02/2024</a:t>
+              <a:t>25/02/2024</a:t>
             </a:fld>
             <a:endParaRPr lang="en-GB"/>
           </a:p>
@@ -2632,7 +2638,7 @@
           <a:p>
             <a:fld id="{68FBDEA3-C4D5-42EA-AC81-789B3E44EC3D}" type="datetimeFigureOut">
               <a:rPr lang="en-GB" smtClean="0"/>
-              <a:t>14/02/2024</a:t>
+              <a:t>25/02/2024</a:t>
             </a:fld>
             <a:endParaRPr lang="en-GB"/>
           </a:p>
@@ -2864,7 +2870,7 @@
           <a:p>
             <a:fld id="{68FBDEA3-C4D5-42EA-AC81-789B3E44EC3D}" type="datetimeFigureOut">
               <a:rPr lang="en-GB" smtClean="0"/>
-              <a:t>14/02/2024</a:t>
+              <a:t>25/02/2024</a:t>
             </a:fld>
             <a:endParaRPr lang="en-GB"/>
           </a:p>
@@ -3231,7 +3237,7 @@
           <a:p>
             <a:fld id="{68FBDEA3-C4D5-42EA-AC81-789B3E44EC3D}" type="datetimeFigureOut">
               <a:rPr lang="en-GB" smtClean="0"/>
-              <a:t>14/02/2024</a:t>
+              <a:t>25/02/2024</a:t>
             </a:fld>
             <a:endParaRPr lang="en-GB"/>
           </a:p>
@@ -3349,7 +3355,7 @@
           <a:p>
             <a:fld id="{68FBDEA3-C4D5-42EA-AC81-789B3E44EC3D}" type="datetimeFigureOut">
               <a:rPr lang="en-GB" smtClean="0"/>
-              <a:t>14/02/2024</a:t>
+              <a:t>25/02/2024</a:t>
             </a:fld>
             <a:endParaRPr lang="en-GB"/>
           </a:p>
@@ -3444,7 +3450,7 @@
           <a:p>
             <a:fld id="{68FBDEA3-C4D5-42EA-AC81-789B3E44EC3D}" type="datetimeFigureOut">
               <a:rPr lang="en-GB" smtClean="0"/>
-              <a:t>14/02/2024</a:t>
+              <a:t>25/02/2024</a:t>
             </a:fld>
             <a:endParaRPr lang="en-GB"/>
           </a:p>
@@ -3721,7 +3727,7 @@
           <a:p>
             <a:fld id="{68FBDEA3-C4D5-42EA-AC81-789B3E44EC3D}" type="datetimeFigureOut">
               <a:rPr lang="en-GB" smtClean="0"/>
-              <a:t>14/02/2024</a:t>
+              <a:t>25/02/2024</a:t>
             </a:fld>
             <a:endParaRPr lang="en-GB"/>
           </a:p>
@@ -3978,7 +3984,7 @@
           <a:p>
             <a:fld id="{68FBDEA3-C4D5-42EA-AC81-789B3E44EC3D}" type="datetimeFigureOut">
               <a:rPr lang="en-GB" smtClean="0"/>
-              <a:t>14/02/2024</a:t>
+              <a:t>25/02/2024</a:t>
             </a:fld>
             <a:endParaRPr lang="en-GB"/>
           </a:p>
@@ -4191,7 +4197,7 @@
           <a:p>
             <a:fld id="{68FBDEA3-C4D5-42EA-AC81-789B3E44EC3D}" type="datetimeFigureOut">
               <a:rPr lang="en-GB" smtClean="0"/>
-              <a:t>14/02/2024</a:t>
+              <a:t>25/02/2024</a:t>
             </a:fld>
             <a:endParaRPr lang="en-GB"/>
           </a:p>
@@ -4649,7 +4655,7 @@
         </p:spPr>
         <p:txBody>
           <a:bodyPr>
-            <a:normAutofit fontScale="90000"/>
+            <a:normAutofit/>
           </a:bodyPr>
           <a:lstStyle/>
           <a:p>
@@ -7815,6 +7821,222 @@
           </a:p>
         </p:txBody>
       </p:sp>
+      <p:pic>
+        <p:nvPicPr>
+          <p:cNvPr id="21" name="Picture 20" descr="A black and white logo&#10;&#10;Description automatically generated">
+            <a:extLst>
+              <a:ext uri="{FF2B5EF4-FFF2-40B4-BE49-F238E27FC236}">
+                <a16:creationId xmlns:a16="http://schemas.microsoft.com/office/drawing/2014/main" id="{85322F7B-5452-6BAA-8A10-798818A66E17}"/>
+              </a:ext>
+            </a:extLst>
+          </p:cNvPr>
+          <p:cNvPicPr>
+            <a:picLocks noChangeAspect="1"/>
+          </p:cNvPicPr>
+          <p:nvPr/>
+        </p:nvPicPr>
+        <p:blipFill>
+          <a:blip r:embed="rId3">
+            <a:extLst>
+              <a:ext uri="{28A0092B-C50C-407E-A947-70E740481C1C}">
+                <a14:useLocalDpi xmlns:a14="http://schemas.microsoft.com/office/drawing/2010/main" val="0"/>
+              </a:ext>
+            </a:extLst>
+          </a:blip>
+          <a:stretch>
+            <a:fillRect/>
+          </a:stretch>
+        </p:blipFill>
+        <p:spPr>
+          <a:xfrm>
+            <a:off x="2262365" y="2962660"/>
+            <a:ext cx="1434245" cy="802260"/>
+          </a:xfrm>
+          <a:prstGeom prst="rect">
+            <a:avLst/>
+          </a:prstGeom>
+        </p:spPr>
+      </p:pic>
+      <p:pic>
+        <p:nvPicPr>
+          <p:cNvPr id="22" name="Picture 21" descr="A black and white logo&#10;&#10;Description automatically generated">
+            <a:extLst>
+              <a:ext uri="{FF2B5EF4-FFF2-40B4-BE49-F238E27FC236}">
+                <a16:creationId xmlns:a16="http://schemas.microsoft.com/office/drawing/2014/main" id="{EA542999-8805-C8C0-CE56-71FD5339E809}"/>
+              </a:ext>
+            </a:extLst>
+          </p:cNvPr>
+          <p:cNvPicPr>
+            <a:picLocks noChangeAspect="1"/>
+          </p:cNvPicPr>
+          <p:nvPr/>
+        </p:nvPicPr>
+        <p:blipFill>
+          <a:blip r:embed="rId3">
+            <a:extLst>
+              <a:ext uri="{28A0092B-C50C-407E-A947-70E740481C1C}">
+                <a14:useLocalDpi xmlns:a14="http://schemas.microsoft.com/office/drawing/2010/main" val="0"/>
+              </a:ext>
+            </a:extLst>
+          </a:blip>
+          <a:stretch>
+            <a:fillRect/>
+          </a:stretch>
+        </p:blipFill>
+        <p:spPr>
+          <a:xfrm>
+            <a:off x="2343914" y="5560986"/>
+            <a:ext cx="1434245" cy="802260"/>
+          </a:xfrm>
+          <a:prstGeom prst="rect">
+            <a:avLst/>
+          </a:prstGeom>
+        </p:spPr>
+      </p:pic>
+      <p:pic>
+        <p:nvPicPr>
+          <p:cNvPr id="23" name="Picture 22" descr="A black and white logo&#10;&#10;Description automatically generated">
+            <a:extLst>
+              <a:ext uri="{FF2B5EF4-FFF2-40B4-BE49-F238E27FC236}">
+                <a16:creationId xmlns:a16="http://schemas.microsoft.com/office/drawing/2014/main" id="{53737D75-220A-865D-42E2-2428D844B422}"/>
+              </a:ext>
+            </a:extLst>
+          </p:cNvPr>
+          <p:cNvPicPr>
+            <a:picLocks noChangeAspect="1"/>
+          </p:cNvPicPr>
+          <p:nvPr/>
+        </p:nvPicPr>
+        <p:blipFill>
+          <a:blip r:embed="rId3">
+            <a:extLst>
+              <a:ext uri="{28A0092B-C50C-407E-A947-70E740481C1C}">
+                <a14:useLocalDpi xmlns:a14="http://schemas.microsoft.com/office/drawing/2010/main" val="0"/>
+              </a:ext>
+            </a:extLst>
+          </a:blip>
+          <a:stretch>
+            <a:fillRect/>
+          </a:stretch>
+        </p:blipFill>
+        <p:spPr>
+          <a:xfrm>
+            <a:off x="10043232" y="2962660"/>
+            <a:ext cx="1434245" cy="802260"/>
+          </a:xfrm>
+          <a:prstGeom prst="rect">
+            <a:avLst/>
+          </a:prstGeom>
+        </p:spPr>
+      </p:pic>
+      <p:pic>
+        <p:nvPicPr>
+          <p:cNvPr id="24" name="Picture 23" descr="A black and white logo&#10;&#10;Description automatically generated">
+            <a:extLst>
+              <a:ext uri="{FF2B5EF4-FFF2-40B4-BE49-F238E27FC236}">
+                <a16:creationId xmlns:a16="http://schemas.microsoft.com/office/drawing/2014/main" id="{B24AB7AE-819F-E11C-69FA-94580B6A66D9}"/>
+              </a:ext>
+            </a:extLst>
+          </p:cNvPr>
+          <p:cNvPicPr>
+            <a:picLocks noChangeAspect="1"/>
+          </p:cNvPicPr>
+          <p:nvPr/>
+        </p:nvPicPr>
+        <p:blipFill>
+          <a:blip r:embed="rId3">
+            <a:extLst>
+              <a:ext uri="{28A0092B-C50C-407E-A947-70E740481C1C}">
+                <a14:useLocalDpi xmlns:a14="http://schemas.microsoft.com/office/drawing/2010/main" val="0"/>
+              </a:ext>
+            </a:extLst>
+          </a:blip>
+          <a:stretch>
+            <a:fillRect/>
+          </a:stretch>
+        </p:blipFill>
+        <p:spPr>
+          <a:xfrm>
+            <a:off x="6178962" y="2962660"/>
+            <a:ext cx="1434245" cy="802260"/>
+          </a:xfrm>
+          <a:prstGeom prst="rect">
+            <a:avLst/>
+          </a:prstGeom>
+        </p:spPr>
+      </p:pic>
+      <p:pic>
+        <p:nvPicPr>
+          <p:cNvPr id="25" name="Picture 24" descr="A green and white sign with white text&#10;&#10;Description automatically generated">
+            <a:extLst>
+              <a:ext uri="{FF2B5EF4-FFF2-40B4-BE49-F238E27FC236}">
+                <a16:creationId xmlns:a16="http://schemas.microsoft.com/office/drawing/2014/main" id="{654B59B4-B96B-A291-98B0-2513AAE37BF0}"/>
+              </a:ext>
+            </a:extLst>
+          </p:cNvPr>
+          <p:cNvPicPr>
+            <a:picLocks noChangeAspect="1"/>
+          </p:cNvPicPr>
+          <p:nvPr/>
+        </p:nvPicPr>
+        <p:blipFill>
+          <a:blip r:embed="rId4">
+            <a:extLst>
+              <a:ext uri="{28A0092B-C50C-407E-A947-70E740481C1C}">
+                <a14:useLocalDpi xmlns:a14="http://schemas.microsoft.com/office/drawing/2010/main" val="0"/>
+              </a:ext>
+            </a:extLst>
+          </a:blip>
+          <a:stretch>
+            <a:fillRect/>
+          </a:stretch>
+        </p:blipFill>
+        <p:spPr>
+          <a:xfrm>
+            <a:off x="6036733" y="5514141"/>
+            <a:ext cx="1684333" cy="766371"/>
+          </a:xfrm>
+          <a:prstGeom prst="rect">
+            <a:avLst/>
+          </a:prstGeom>
+        </p:spPr>
+      </p:pic>
+      <p:pic>
+        <p:nvPicPr>
+          <p:cNvPr id="26" name="Picture 25" descr="A green and white sign with white text&#10;&#10;Description automatically generated">
+            <a:extLst>
+              <a:ext uri="{FF2B5EF4-FFF2-40B4-BE49-F238E27FC236}">
+                <a16:creationId xmlns:a16="http://schemas.microsoft.com/office/drawing/2014/main" id="{0C7809AD-32D0-8C9D-2B9C-CB61C8DA1E53}"/>
+              </a:ext>
+            </a:extLst>
+          </p:cNvPr>
+          <p:cNvPicPr>
+            <a:picLocks noChangeAspect="1"/>
+          </p:cNvPicPr>
+          <p:nvPr/>
+        </p:nvPicPr>
+        <p:blipFill>
+          <a:blip r:embed="rId4">
+            <a:extLst>
+              <a:ext uri="{28A0092B-C50C-407E-A947-70E740481C1C}">
+                <a14:useLocalDpi xmlns:a14="http://schemas.microsoft.com/office/drawing/2010/main" val="0"/>
+              </a:ext>
+            </a:extLst>
+          </a:blip>
+          <a:stretch>
+            <a:fillRect/>
+          </a:stretch>
+        </p:blipFill>
+        <p:spPr>
+          <a:xfrm>
+            <a:off x="9956800" y="5573228"/>
+            <a:ext cx="1647021" cy="749394"/>
+          </a:xfrm>
+          <a:prstGeom prst="rect">
+            <a:avLst/>
+          </a:prstGeom>
+        </p:spPr>
+      </p:pic>
     </p:spTree>
   </p:cSld>
   <p:clrMapOvr>
@@ -8745,6 +8967,100 @@
         </p:txBody>
       </p:sp>
     </p:spTree>
+  </p:cSld>
+  <p:clrMapOvr>
+    <a:masterClrMapping/>
+  </p:clrMapOvr>
+</p:sld>
+</file>
+
+<file path=ppt/slides/slide17.xml><?xml version="1.0" encoding="utf-8"?>
+<p:sld xmlns:a="http://schemas.openxmlformats.org/drawingml/2006/main" xmlns:r="http://schemas.openxmlformats.org/officeDocument/2006/relationships" xmlns:p="http://schemas.openxmlformats.org/presentationml/2006/main">
+  <p:cSld>
+    <p:spTree>
+      <p:nvGrpSpPr>
+        <p:cNvPr id="1" name=""/>
+        <p:cNvGrpSpPr/>
+        <p:nvPr/>
+      </p:nvGrpSpPr>
+      <p:grpSpPr>
+        <a:xfrm>
+          <a:off x="0" y="0"/>
+          <a:ext cx="0" cy="0"/>
+          <a:chOff x="0" y="0"/>
+          <a:chExt cx="0" cy="0"/>
+        </a:xfrm>
+      </p:grpSpPr>
+      <p:sp>
+        <p:nvSpPr>
+          <p:cNvPr id="2" name="Object 1">
+            <a:extLst>
+              <a:ext uri="{FF2B5EF4-FFF2-40B4-BE49-F238E27FC236}">
+                <a16:creationId xmlns:a16="http://schemas.microsoft.com/office/drawing/2014/main" id="{DF8230C9-7240-233D-2D62-6E5824685B44}"/>
+              </a:ext>
+            </a:extLst>
+          </p:cNvPr>
+          <p:cNvSpPr/>
+          <p:nvPr/>
+        </p:nvSpPr>
+        <p:spPr>
+          <a:xfrm>
+            <a:off x="3048" y="2310235"/>
+            <a:ext cx="12188952" cy="509906"/>
+          </a:xfrm>
+          <a:prstGeom prst="rect">
+            <a:avLst/>
+          </a:prstGeom>
+          <a:noFill/>
+        </p:spPr>
+        <p:txBody>
+          <a:bodyPr wrap="square" lIns="0" tIns="0" rIns="0" bIns="0" rtlCol="0" anchor="t"/>
+          <a:lstStyle/>
+          <a:p>
+            <a:pPr algn="ctr">
+              <a:lnSpc>
+                <a:spcPts val="4016"/>
+              </a:lnSpc>
+              <a:buNone/>
+            </a:pPr>
+            <a:r>
+              <a:rPr lang="en-US" sz="3188" dirty="0">
+                <a:solidFill>
+                  <a:srgbClr val="2A2921"/>
+                </a:solidFill>
+                <a:latin typeface="Montserrat" pitchFamily="34" charset="0"/>
+                <a:ea typeface="Montserrat" pitchFamily="34" charset="-122"/>
+                <a:cs typeface="Montserrat" pitchFamily="34" charset="-120"/>
+              </a:rPr>
+              <a:t>Thank you.</a:t>
+            </a:r>
+          </a:p>
+          <a:p>
+            <a:pPr algn="ctr">
+              <a:lnSpc>
+                <a:spcPts val="4016"/>
+              </a:lnSpc>
+              <a:buNone/>
+            </a:pPr>
+            <a:r>
+              <a:rPr lang="en-US" sz="3188" dirty="0">
+                <a:solidFill>
+                  <a:srgbClr val="2A2921"/>
+                </a:solidFill>
+                <a:latin typeface="Montserrat" pitchFamily="34" charset="0"/>
+              </a:rPr>
+              <a:t>Questions?</a:t>
+            </a:r>
+            <a:endParaRPr lang="en-US" dirty="0"/>
+          </a:p>
+        </p:txBody>
+      </p:sp>
+    </p:spTree>
+    <p:extLst>
+      <p:ext uri="{BB962C8B-B14F-4D97-AF65-F5344CB8AC3E}">
+        <p14:creationId xmlns:p14="http://schemas.microsoft.com/office/powerpoint/2010/main" val="1060862935"/>
+      </p:ext>
+    </p:extLst>
   </p:cSld>
   <p:clrMapOvr>
     <a:masterClrMapping/>
